--- a/papers/Case2016/pictures/pdf/Linear.pptx
+++ b/papers/Case2016/pictures/pdf/Linear.pptx
@@ -3551,10 +3551,10 @@
           <p:nvPr/>
         </p:nvPicPr>
         <p:blipFill>
-          <a:blip r:embed="rId3">
+          <a:blip r:embed="rId3" cstate="email">
             <a:extLst>
               <a:ext uri="{28A0092B-C50C-407E-A947-70E740481C1C}">
-                <a14:useLocalDpi xmlns:a14="http://schemas.microsoft.com/office/drawing/2010/main" val="0"/>
+                <a14:useLocalDpi xmlns:a14="http://schemas.microsoft.com/office/drawing/2010/main"/>
               </a:ext>
             </a:extLst>
           </a:blip>
@@ -3581,10 +3581,10 @@
           <p:nvPr/>
         </p:nvPicPr>
         <p:blipFill>
-          <a:blip r:embed="rId4">
+          <a:blip r:embed="rId4" cstate="email">
             <a:extLst>
               <a:ext uri="{28A0092B-C50C-407E-A947-70E740481C1C}">
-                <a14:useLocalDpi xmlns:a14="http://schemas.microsoft.com/office/drawing/2010/main" val="0"/>
+                <a14:useLocalDpi xmlns:a14="http://schemas.microsoft.com/office/drawing/2010/main"/>
               </a:ext>
             </a:extLst>
           </a:blip>
@@ -3611,10 +3611,10 @@
           <p:nvPr/>
         </p:nvPicPr>
         <p:blipFill>
-          <a:blip r:embed="rId5">
+          <a:blip r:embed="rId5" cstate="email">
             <a:extLst>
               <a:ext uri="{28A0092B-C50C-407E-A947-70E740481C1C}">
-                <a14:useLocalDpi xmlns:a14="http://schemas.microsoft.com/office/drawing/2010/main" val="0"/>
+                <a14:useLocalDpi xmlns:a14="http://schemas.microsoft.com/office/drawing/2010/main"/>
               </a:ext>
             </a:extLst>
           </a:blip>
@@ -3641,10 +3641,10 @@
           <p:nvPr/>
         </p:nvPicPr>
         <p:blipFill>
-          <a:blip r:embed="rId6">
+          <a:blip r:embed="rId6" cstate="email">
             <a:extLst>
               <a:ext uri="{28A0092B-C50C-407E-A947-70E740481C1C}">
-                <a14:useLocalDpi xmlns:a14="http://schemas.microsoft.com/office/drawing/2010/main" val="0"/>
+                <a14:useLocalDpi xmlns:a14="http://schemas.microsoft.com/office/drawing/2010/main"/>
               </a:ext>
             </a:extLst>
           </a:blip>
@@ -3671,10 +3671,10 @@
           <p:nvPr/>
         </p:nvPicPr>
         <p:blipFill>
-          <a:blip r:embed="rId7">
+          <a:blip r:embed="rId7" cstate="email">
             <a:extLst>
               <a:ext uri="{28A0092B-C50C-407E-A947-70E740481C1C}">
-                <a14:useLocalDpi xmlns:a14="http://schemas.microsoft.com/office/drawing/2010/main" val="0"/>
+                <a14:useLocalDpi xmlns:a14="http://schemas.microsoft.com/office/drawing/2010/main"/>
               </a:ext>
             </a:extLst>
           </a:blip>
